--- a/ED1-Eafit-Plantilla-primera_entrega.pptx
+++ b/ED1-Eafit-Plantilla-primera_entrega.pptx
@@ -16613,7 +16613,7 @@
         </p:nvSpPr>
         <p:spPr>
           <a:xfrm>
-            <a:off x="1611000" y="-23760"/>
+            <a:off x="1622520" y="-99960"/>
             <a:ext cx="10580400" cy="6881400"/>
           </a:xfrm>
           <a:prstGeom prst="rect">
@@ -16709,8 +16709,8 @@
         </p:nvSpPr>
         <p:spPr>
           <a:xfrm>
-            <a:off x="7499160" y="1143000"/>
-            <a:ext cx="2114640" cy="515880"/>
+            <a:off x="5994209" y="2114550"/>
+            <a:ext cx="5045266" cy="829543"/>
           </a:xfrm>
           <a:prstGeom prst="rect">
             <a:avLst/>
@@ -16744,232 +16744,40 @@
               <a:buNone/>
             </a:pPr>
             <a:r>
-              <a:rPr lang="en-US" sz="1400" b="0" i="1" u="none" strike="noStrike" cap="none" dirty="0" err="1">
+              <a:rPr lang="en-US" sz="4800" b="0" i="1" u="none" strike="noStrike" cap="none" dirty="0">
                 <a:solidFill>
-                  <a:schemeClr val="accent2"/>
+                  <a:schemeClr val="tx1"/>
                 </a:solidFill>
-                <a:latin typeface="Arial"/>
+                <a:latin typeface="+mj-lt"/>
                 <a:ea typeface="Arial"/>
                 <a:cs typeface="Arial"/>
                 <a:sym typeface="Arial"/>
               </a:rPr>
-              <a:t>Usa</a:t>
+              <a:t>Proyecto </a:t>
             </a:r>
             <a:r>
-              <a:rPr lang="en-US" sz="1400" b="0" i="1" u="none" strike="noStrike" cap="none" dirty="0">
+              <a:rPr lang="en-US" sz="4800" b="0" i="1" u="none" strike="noStrike" cap="none" dirty="0" err="1">
                 <a:solidFill>
-                  <a:schemeClr val="accent2"/>
+                  <a:schemeClr val="tx1"/>
                 </a:solidFill>
-                <a:latin typeface="Arial"/>
+                <a:latin typeface="+mj-lt"/>
                 <a:ea typeface="Arial"/>
                 <a:cs typeface="Arial"/>
                 <a:sym typeface="Arial"/>
               </a:rPr>
-              <a:t> </a:t>
+              <a:t>Vacas</a:t>
             </a:r>
-            <a:r>
-              <a:rPr lang="en-US" sz="1400" b="0" i="1" u="none" strike="noStrike" cap="none" dirty="0" err="1">
-                <a:solidFill>
-                  <a:schemeClr val="accent2"/>
-                </a:solidFill>
-                <a:latin typeface="Arial"/>
-                <a:ea typeface="Arial"/>
-                <a:cs typeface="Arial"/>
-                <a:sym typeface="Arial"/>
-              </a:rPr>
-              <a:t>el</a:t>
-            </a:r>
-            <a:r>
-              <a:rPr lang="en-US" sz="1400" b="0" i="1" u="none" strike="noStrike" cap="none" dirty="0">
-                <a:solidFill>
-                  <a:schemeClr val="accent2"/>
-                </a:solidFill>
-                <a:latin typeface="Arial"/>
-                <a:ea typeface="Arial"/>
-                <a:cs typeface="Arial"/>
-                <a:sym typeface="Arial"/>
-              </a:rPr>
-              <a:t> </a:t>
-            </a:r>
-            <a:r>
-              <a:rPr lang="en-US" sz="1400" b="0" i="1" u="none" strike="noStrike" cap="none" dirty="0" err="1">
-                <a:solidFill>
-                  <a:schemeClr val="accent2"/>
-                </a:solidFill>
-                <a:latin typeface="Arial"/>
-                <a:ea typeface="Arial"/>
-                <a:cs typeface="Arial"/>
-                <a:sym typeface="Arial"/>
-              </a:rPr>
-              <a:t>mismo</a:t>
-            </a:r>
-            <a:r>
-              <a:rPr lang="en-US" sz="1400" b="0" i="1" u="none" strike="noStrike" cap="none" dirty="0">
-                <a:solidFill>
-                  <a:schemeClr val="accent2"/>
-                </a:solidFill>
-                <a:latin typeface="Arial"/>
-                <a:ea typeface="Arial"/>
-                <a:cs typeface="Arial"/>
-                <a:sym typeface="Arial"/>
-              </a:rPr>
-              <a:t> </a:t>
-            </a:r>
-            <a:r>
-              <a:rPr lang="en-US" sz="1400" b="0" i="1" u="none" strike="noStrike" cap="none" dirty="0" err="1">
-                <a:solidFill>
-                  <a:schemeClr val="accent2"/>
-                </a:solidFill>
-                <a:latin typeface="Arial"/>
-                <a:ea typeface="Arial"/>
-                <a:cs typeface="Arial"/>
-                <a:sym typeface="Arial"/>
-              </a:rPr>
-              <a:t>título</a:t>
-            </a:r>
-            <a:r>
-              <a:rPr lang="en-US" sz="1400" b="0" i="1" u="none" strike="noStrike" cap="none" dirty="0">
-                <a:solidFill>
-                  <a:schemeClr val="accent2"/>
-                </a:solidFill>
-                <a:latin typeface="Arial"/>
-                <a:ea typeface="Arial"/>
-                <a:cs typeface="Arial"/>
-                <a:sym typeface="Arial"/>
-              </a:rPr>
-              <a:t> que </a:t>
-            </a:r>
-            <a:r>
-              <a:rPr lang="en-US" i="1" dirty="0" err="1">
-                <a:solidFill>
-                  <a:schemeClr val="accent2"/>
-                </a:solidFill>
-              </a:rPr>
-              <a:t>usaron</a:t>
-            </a:r>
-            <a:r>
-              <a:rPr lang="en-US" sz="1400" b="0" i="1" u="none" strike="noStrike" cap="none" dirty="0">
-                <a:solidFill>
-                  <a:schemeClr val="accent2"/>
-                </a:solidFill>
-                <a:latin typeface="Arial"/>
-                <a:ea typeface="Arial"/>
-                <a:cs typeface="Arial"/>
-                <a:sym typeface="Arial"/>
-              </a:rPr>
-              <a:t> </a:t>
-            </a:r>
-            <a:r>
-              <a:rPr lang="en-US" sz="1400" b="0" i="1" u="none" strike="noStrike" cap="none" dirty="0" err="1">
-                <a:solidFill>
-                  <a:schemeClr val="accent2"/>
-                </a:solidFill>
-                <a:latin typeface="Arial"/>
-                <a:ea typeface="Arial"/>
-                <a:cs typeface="Arial"/>
-                <a:sym typeface="Arial"/>
-              </a:rPr>
-              <a:t>en</a:t>
-            </a:r>
-            <a:r>
-              <a:rPr lang="en-US" sz="1400" b="0" i="1" u="none" strike="noStrike" cap="none" dirty="0">
-                <a:solidFill>
-                  <a:schemeClr val="accent2"/>
-                </a:solidFill>
-                <a:latin typeface="Arial"/>
-                <a:ea typeface="Arial"/>
-                <a:cs typeface="Arial"/>
-                <a:sym typeface="Arial"/>
-              </a:rPr>
-              <a:t> </a:t>
-            </a:r>
-            <a:r>
-              <a:rPr lang="en-US" sz="1400" b="0" i="1" u="none" strike="noStrike" cap="none" dirty="0" err="1">
-                <a:solidFill>
-                  <a:schemeClr val="accent2"/>
-                </a:solidFill>
-                <a:latin typeface="Arial"/>
-                <a:ea typeface="Arial"/>
-                <a:cs typeface="Arial"/>
-                <a:sym typeface="Arial"/>
-              </a:rPr>
-              <a:t>el</a:t>
-            </a:r>
-            <a:r>
-              <a:rPr lang="en-US" sz="1400" b="0" i="1" u="none" strike="noStrike" cap="none" dirty="0">
-                <a:solidFill>
-                  <a:schemeClr val="accent2"/>
-                </a:solidFill>
-                <a:latin typeface="Arial"/>
-                <a:ea typeface="Arial"/>
-                <a:cs typeface="Arial"/>
-                <a:sym typeface="Arial"/>
-              </a:rPr>
-              <a:t> </a:t>
-            </a:r>
-            <a:r>
-              <a:rPr lang="en-US" sz="1400" b="0" i="1" u="none" strike="noStrike" cap="none" dirty="0" err="1">
-                <a:solidFill>
-                  <a:schemeClr val="accent2"/>
-                </a:solidFill>
-                <a:latin typeface="Arial"/>
-                <a:ea typeface="Arial"/>
-                <a:cs typeface="Arial"/>
-                <a:sym typeface="Arial"/>
-              </a:rPr>
-              <a:t>informe</a:t>
-            </a:r>
-            <a:endParaRPr sz="1400" b="0" i="0" u="none" strike="noStrike" cap="none" dirty="0">
+            <a:endParaRPr sz="4800" b="0" i="0" u="none" strike="noStrike" cap="none" dirty="0">
               <a:solidFill>
-                <a:schemeClr val="accent2"/>
+                <a:schemeClr val="tx1"/>
               </a:solidFill>
-              <a:latin typeface="Arial"/>
+              <a:latin typeface="+mj-lt"/>
               <a:ea typeface="Arial"/>
               <a:cs typeface="Arial"/>
               <a:sym typeface="Arial"/>
             </a:endParaRPr>
           </a:p>
         </p:txBody>
-      </p:sp>
-      <p:sp>
-        <p:nvSpPr>
-          <p:cNvPr id="194" name="Google Shape;194;p1"/>
-          <p:cNvSpPr/>
-          <p:nvPr/>
-        </p:nvSpPr>
-        <p:spPr>
-          <a:xfrm rot="10800000" flipH="1">
-            <a:off x="6732350" y="1475135"/>
-            <a:ext cx="800658" cy="763830"/>
-          </a:xfrm>
-          <a:custGeom>
-            <a:avLst/>
-            <a:gdLst/>
-            <a:ahLst/>
-            <a:cxnLst/>
-            <a:rect l="l" t="t" r="r" b="b"/>
-            <a:pathLst>
-              <a:path w="21600" h="21600" extrusionOk="0">
-                <a:moveTo>
-                  <a:pt x="0" y="0"/>
-                </a:moveTo>
-                <a:lnTo>
-                  <a:pt x="21600" y="21600"/>
-                </a:lnTo>
-              </a:path>
-            </a:pathLst>
-          </a:custGeom>
-          <a:noFill/>
-          <a:ln w="76300" cap="flat" cmpd="sng">
-            <a:solidFill>
-              <a:schemeClr val="accent2"/>
-            </a:solidFill>
-            <a:prstDash val="solid"/>
-            <a:round/>
-            <a:headEnd type="none" w="sm" len="sm"/>
-            <a:tailEnd type="triangle" w="med" len="med"/>
-          </a:ln>
-        </p:spPr>
       </p:sp>
     </p:spTree>
   </p:cSld>
